--- a/File/ProgettoMaratonaBastianelli_Fiore.pptx
+++ b/File/ProgettoMaratonaBastianelli_Fiore.pptx
@@ -5,7 +5,7 @@
     <p:sldMasterId id="2147483672" r:id="rId1"/>
   </p:sldMasterIdLst>
   <p:notesMasterIdLst>
-    <p:notesMasterId r:id="rId19"/>
+    <p:notesMasterId r:id="rId20"/>
   </p:notesMasterIdLst>
   <p:sldIdLst>
     <p:sldId id="256" r:id="rId2"/>
@@ -25,40 +25,41 @@
     <p:sldId id="321" r:id="rId16"/>
     <p:sldId id="314" r:id="rId17"/>
     <p:sldId id="266" r:id="rId18"/>
+    <p:sldId id="324" r:id="rId19"/>
   </p:sldIdLst>
   <p:sldSz cx="9144000" cy="5143500" type="screen16x9"/>
   <p:notesSz cx="6858000" cy="9144000"/>
   <p:embeddedFontLst>
     <p:embeddedFont>
       <p:font typeface="Livvic" pitchFamily="2" charset="0"/>
-      <p:regular r:id="rId20"/>
-      <p:bold r:id="rId21"/>
-      <p:italic r:id="rId22"/>
-      <p:boldItalic r:id="rId23"/>
+      <p:regular r:id="rId21"/>
+      <p:bold r:id="rId22"/>
+      <p:italic r:id="rId23"/>
+      <p:boldItalic r:id="rId24"/>
     </p:embeddedFont>
     <p:embeddedFont>
       <p:font typeface="Oswald" panose="00000500000000000000" pitchFamily="2" charset="0"/>
-      <p:regular r:id="rId24"/>
-      <p:bold r:id="rId25"/>
+      <p:regular r:id="rId25"/>
+      <p:bold r:id="rId26"/>
     </p:embeddedFont>
     <p:embeddedFont>
       <p:font typeface="Raleway" pitchFamily="2" charset="0"/>
-      <p:regular r:id="rId26"/>
-      <p:bold r:id="rId27"/>
-      <p:italic r:id="rId28"/>
-      <p:boldItalic r:id="rId29"/>
+      <p:regular r:id="rId27"/>
+      <p:bold r:id="rId28"/>
+      <p:italic r:id="rId29"/>
+      <p:boldItalic r:id="rId30"/>
     </p:embeddedFont>
     <p:embeddedFont>
       <p:font typeface="Roboto" panose="02000000000000000000" pitchFamily="2" charset="0"/>
-      <p:regular r:id="rId30"/>
-      <p:bold r:id="rId31"/>
-      <p:italic r:id="rId32"/>
-      <p:boldItalic r:id="rId33"/>
+      <p:regular r:id="rId31"/>
+      <p:bold r:id="rId32"/>
+      <p:italic r:id="rId33"/>
+      <p:boldItalic r:id="rId34"/>
     </p:embeddedFont>
     <p:embeddedFont>
       <p:font typeface="Roboto Condensed Light" panose="02000000000000000000" pitchFamily="2" charset="0"/>
-      <p:regular r:id="rId34"/>
-      <p:italic r:id="rId35"/>
+      <p:regular r:id="rId35"/>
+      <p:italic r:id="rId36"/>
     </p:embeddedFont>
   </p:embeddedFontLst>
   <p:defaultTextStyle>
@@ -1703,6 +1704,115 @@
         </p:txBody>
       </p:sp>
     </p:spTree>
+  </p:cSld>
+  <p:clrMapOvr>
+    <a:masterClrMapping/>
+  </p:clrMapOvr>
+</p:notes>
+</file>
+
+<file path=ppt/notesSlides/notesSlide18.xml><?xml version="1.0" encoding="utf-8"?>
+<p:notes xmlns:a="http://schemas.openxmlformats.org/drawingml/2006/main" xmlns:r="http://schemas.openxmlformats.org/officeDocument/2006/relationships" xmlns:p="http://schemas.openxmlformats.org/presentationml/2006/main" showMasterSp="0" showMasterPhAnim="0">
+  <p:cSld>
+    <p:spTree>
+      <p:nvGrpSpPr>
+        <p:cNvPr id="1" name="Shape 859"/>
+        <p:cNvGrpSpPr/>
+        <p:nvPr/>
+      </p:nvGrpSpPr>
+      <p:grpSpPr>
+        <a:xfrm>
+          <a:off x="0" y="0"/>
+          <a:ext cx="0" cy="0"/>
+          <a:chOff x="0" y="0"/>
+          <a:chExt cx="0" cy="0"/>
+        </a:xfrm>
+      </p:grpSpPr>
+      <p:sp>
+        <p:nvSpPr>
+          <p:cNvPr id="860" name="Google Shape;860;g8b8ed53e21_0_115:notes"/>
+          <p:cNvSpPr>
+            <a:spLocks noGrp="1" noRot="1" noChangeAspect="1"/>
+          </p:cNvSpPr>
+          <p:nvPr>
+            <p:ph type="sldImg" idx="2"/>
+          </p:nvPr>
+        </p:nvSpPr>
+        <p:spPr>
+          <a:xfrm>
+            <a:off x="381000" y="685800"/>
+            <a:ext cx="6096000" cy="3429000"/>
+          </a:xfrm>
+          <a:custGeom>
+            <a:avLst/>
+            <a:gdLst/>
+            <a:ahLst/>
+            <a:cxnLst/>
+            <a:rect l="l" t="t" r="r" b="b"/>
+            <a:pathLst>
+              <a:path w="120000" h="120000" extrusionOk="0">
+                <a:moveTo>
+                  <a:pt x="0" y="0"/>
+                </a:moveTo>
+                <a:lnTo>
+                  <a:pt x="120000" y="0"/>
+                </a:lnTo>
+                <a:lnTo>
+                  <a:pt x="120000" y="120000"/>
+                </a:lnTo>
+                <a:lnTo>
+                  <a:pt x="0" y="120000"/>
+                </a:lnTo>
+                <a:close/>
+              </a:path>
+            </a:pathLst>
+          </a:custGeom>
+        </p:spPr>
+      </p:sp>
+      <p:sp>
+        <p:nvSpPr>
+          <p:cNvPr id="861" name="Google Shape;861;g8b8ed53e21_0_115:notes"/>
+          <p:cNvSpPr txBox="1">
+            <a:spLocks noGrp="1"/>
+          </p:cNvSpPr>
+          <p:nvPr>
+            <p:ph type="body" idx="1"/>
+          </p:nvPr>
+        </p:nvSpPr>
+        <p:spPr>
+          <a:xfrm>
+            <a:off x="685800" y="4343400"/>
+            <a:ext cx="5486400" cy="4114800"/>
+          </a:xfrm>
+          <a:prstGeom prst="rect">
+            <a:avLst/>
+          </a:prstGeom>
+        </p:spPr>
+        <p:txBody>
+          <a:bodyPr spcFirstLastPara="1" wrap="square" lIns="91425" tIns="91425" rIns="91425" bIns="91425" anchor="t" anchorCtr="0">
+            <a:noAutofit/>
+          </a:bodyPr>
+          <a:lstStyle/>
+          <a:p>
+            <a:pPr marL="0" lvl="0" indent="0" algn="l" rtl="0">
+              <a:spcBef>
+                <a:spcPts val="0"/>
+              </a:spcBef>
+              <a:spcAft>
+                <a:spcPts val="0"/>
+              </a:spcAft>
+              <a:buNone/>
+            </a:pPr>
+            <a:endParaRPr/>
+          </a:p>
+        </p:txBody>
+      </p:sp>
+    </p:spTree>
+    <p:extLst>
+      <p:ext uri="{BB962C8B-B14F-4D97-AF65-F5344CB8AC3E}">
+        <p14:creationId xmlns:p14="http://schemas.microsoft.com/office/powerpoint/2010/main" val="77420750"/>
+      </p:ext>
+    </p:extLst>
   </p:cSld>
   <p:clrMapOvr>
     <a:masterClrMapping/>
@@ -34659,6 +34769,185 @@
 </p:sld>
 </file>
 
+<file path=ppt/slides/slide18.xml><?xml version="1.0" encoding="utf-8"?>
+<p:sld xmlns:a="http://schemas.openxmlformats.org/drawingml/2006/main" xmlns:r="http://schemas.openxmlformats.org/officeDocument/2006/relationships" xmlns:p="http://schemas.openxmlformats.org/presentationml/2006/main">
+  <p:cSld>
+    <p:bg>
+      <p:bgPr>
+        <a:gradFill>
+          <a:gsLst>
+            <a:gs pos="0">
+              <a:srgbClr val="13367C"/>
+            </a:gs>
+            <a:gs pos="100000">
+              <a:schemeClr val="dk2"/>
+            </a:gs>
+          </a:gsLst>
+          <a:lin ang="5400012" scaled="0"/>
+        </a:gradFill>
+        <a:effectLst/>
+      </p:bgPr>
+    </p:bg>
+    <p:spTree>
+      <p:nvGrpSpPr>
+        <p:cNvPr id="1" name="Shape 862"/>
+        <p:cNvGrpSpPr/>
+        <p:nvPr/>
+      </p:nvGrpSpPr>
+      <p:grpSpPr>
+        <a:xfrm>
+          <a:off x="0" y="0"/>
+          <a:ext cx="0" cy="0"/>
+          <a:chOff x="0" y="0"/>
+          <a:chExt cx="0" cy="0"/>
+        </a:xfrm>
+      </p:grpSpPr>
+      <p:sp>
+        <p:nvSpPr>
+          <p:cNvPr id="865" name="Google Shape;865;p37"/>
+          <p:cNvSpPr txBox="1">
+            <a:spLocks noGrp="1"/>
+          </p:cNvSpPr>
+          <p:nvPr>
+            <p:ph type="body" idx="2"/>
+          </p:nvPr>
+        </p:nvSpPr>
+        <p:spPr>
+          <a:xfrm>
+            <a:off x="720000" y="1112700"/>
+            <a:ext cx="9067800" cy="1868430"/>
+          </a:xfrm>
+          <a:prstGeom prst="rect">
+            <a:avLst/>
+          </a:prstGeom>
+        </p:spPr>
+        <p:txBody>
+          <a:bodyPr spcFirstLastPara="1" wrap="square" lIns="91425" tIns="91425" rIns="91425" bIns="91425" anchor="t" anchorCtr="0">
+            <a:noAutofit/>
+          </a:bodyPr>
+          <a:lstStyle/>
+          <a:p>
+            <a:pPr marL="0" lvl="0" indent="0" algn="l" rtl="0">
+              <a:spcBef>
+                <a:spcPts val="0"/>
+              </a:spcBef>
+              <a:spcAft>
+                <a:spcPts val="0"/>
+              </a:spcAft>
+              <a:buClr>
+                <a:schemeClr val="dk1"/>
+              </a:buClr>
+              <a:buSzPts val="1100"/>
+              <a:buNone/>
+            </a:pPr>
+            <a:r>
+              <a:rPr lang="en" sz="1600" dirty="0"/>
+              <a:t>Mostrare </a:t>
+            </a:r>
+            <a:r>
+              <a:rPr lang="it-IT" sz="1600" dirty="0"/>
+              <a:t>i </a:t>
+            </a:r>
+            <a:r>
+              <a:rPr lang="en" sz="1600" dirty="0"/>
+              <a:t>risultati quando tutti </a:t>
+            </a:r>
+            <a:r>
+              <a:rPr lang="it-IT" sz="1600" dirty="0"/>
+              <a:t>i </a:t>
+            </a:r>
+            <a:r>
+              <a:rPr lang="en" sz="1600" dirty="0"/>
+              <a:t>parteciapanti hanno finito la gara</a:t>
+            </a:r>
+          </a:p>
+        </p:txBody>
+      </p:sp>
+      <p:sp>
+        <p:nvSpPr>
+          <p:cNvPr id="867" name="Google Shape;867;p37"/>
+          <p:cNvSpPr txBox="1">
+            <a:spLocks noGrp="1"/>
+          </p:cNvSpPr>
+          <p:nvPr>
+            <p:ph type="title" idx="4"/>
+          </p:nvPr>
+        </p:nvSpPr>
+        <p:spPr>
+          <a:xfrm>
+            <a:off x="720000" y="540000"/>
+            <a:ext cx="7704000" cy="572700"/>
+          </a:xfrm>
+          <a:prstGeom prst="rect">
+            <a:avLst/>
+          </a:prstGeom>
+        </p:spPr>
+        <p:txBody>
+          <a:bodyPr spcFirstLastPara="1" wrap="square" lIns="91425" tIns="91425" rIns="91425" bIns="91425" anchor="t" anchorCtr="0">
+            <a:noAutofit/>
+          </a:bodyPr>
+          <a:lstStyle/>
+          <a:p>
+            <a:pPr marL="0" lvl="0" indent="0" algn="l" rtl="0">
+              <a:spcBef>
+                <a:spcPts val="0"/>
+              </a:spcBef>
+              <a:spcAft>
+                <a:spcPts val="0"/>
+              </a:spcAft>
+              <a:buNone/>
+            </a:pPr>
+            <a:r>
+              <a:rPr lang="en" dirty="0"/>
+              <a:t>DIFFICOLTA’ RISCONTRATE</a:t>
+            </a:r>
+            <a:endParaRPr dirty="0"/>
+          </a:p>
+        </p:txBody>
+      </p:sp>
+      <p:pic>
+        <p:nvPicPr>
+          <p:cNvPr id="5" name="Picture 4">
+            <a:extLst>
+              <a:ext uri="{FF2B5EF4-FFF2-40B4-BE49-F238E27FC236}">
+                <a16:creationId xmlns:a16="http://schemas.microsoft.com/office/drawing/2014/main" id="{46226BF3-B3EA-8BAA-72A2-35C6A05920BD}"/>
+              </a:ext>
+            </a:extLst>
+          </p:cNvPr>
+          <p:cNvPicPr>
+            <a:picLocks noChangeAspect="1"/>
+          </p:cNvPicPr>
+          <p:nvPr/>
+        </p:nvPicPr>
+        <p:blipFill>
+          <a:blip r:embed="rId3"/>
+          <a:stretch>
+            <a:fillRect/>
+          </a:stretch>
+        </p:blipFill>
+        <p:spPr>
+          <a:xfrm>
+            <a:off x="470915" y="1732976"/>
+            <a:ext cx="8202170" cy="2010056"/>
+          </a:xfrm>
+          <a:prstGeom prst="rect">
+            <a:avLst/>
+          </a:prstGeom>
+        </p:spPr>
+      </p:pic>
+    </p:spTree>
+    <p:extLst>
+      <p:ext uri="{BB962C8B-B14F-4D97-AF65-F5344CB8AC3E}">
+        <p14:creationId xmlns:p14="http://schemas.microsoft.com/office/powerpoint/2010/main" val="96770924"/>
+      </p:ext>
+    </p:extLst>
+  </p:cSld>
+  <p:clrMapOvr>
+    <a:masterClrMapping/>
+  </p:clrMapOvr>
+</p:sld>
+</file>
+
 <file path=ppt/slides/slide2.xml><?xml version="1.0" encoding="utf-8"?>
 <p:sld xmlns:a="http://schemas.openxmlformats.org/drawingml/2006/main" xmlns:r="http://schemas.openxmlformats.org/officeDocument/2006/relationships" xmlns:p="http://schemas.openxmlformats.org/presentationml/2006/main">
   <p:cSld>
